--- a/Rendu/GasStation.pptx
+++ b/Rendu/GasStation.pptx
@@ -8,8 +8,8 @@
     <p:sldId id="256" r:id="rId2"/>
     <p:sldId id="257" r:id="rId3"/>
     <p:sldId id="258" r:id="rId4"/>
-    <p:sldId id="259" r:id="rId5"/>
-    <p:sldId id="261" r:id="rId6"/>
+    <p:sldId id="261" r:id="rId5"/>
+    <p:sldId id="259" r:id="rId6"/>
     <p:sldId id="260" r:id="rId7"/>
   </p:sldIdLst>
   <p:sldSz cx="12192000" cy="6858000"/>
@@ -248,7 +248,7 @@
           <a:p>
             <a:fld id="{A7354640-2D1C-4546-9C73-09819B753F1B}" type="datetimeFigureOut">
               <a:rPr lang="en-US" smtClean="0"/>
-              <a:t>6/13/2016</a:t>
+              <a:t>6/14/2016</a:t>
             </a:fld>
             <a:endParaRPr lang="en-US"/>
           </a:p>
@@ -418,7 +418,7 @@
           <a:p>
             <a:fld id="{A7354640-2D1C-4546-9C73-09819B753F1B}" type="datetimeFigureOut">
               <a:rPr lang="en-US" smtClean="0"/>
-              <a:t>6/13/2016</a:t>
+              <a:t>6/14/2016</a:t>
             </a:fld>
             <a:endParaRPr lang="en-US"/>
           </a:p>
@@ -598,7 +598,7 @@
           <a:p>
             <a:fld id="{A7354640-2D1C-4546-9C73-09819B753F1B}" type="datetimeFigureOut">
               <a:rPr lang="en-US" smtClean="0"/>
-              <a:t>6/13/2016</a:t>
+              <a:t>6/14/2016</a:t>
             </a:fld>
             <a:endParaRPr lang="en-US"/>
           </a:p>
@@ -768,7 +768,7 @@
           <a:p>
             <a:fld id="{A7354640-2D1C-4546-9C73-09819B753F1B}" type="datetimeFigureOut">
               <a:rPr lang="en-US" smtClean="0"/>
-              <a:t>6/13/2016</a:t>
+              <a:t>6/14/2016</a:t>
             </a:fld>
             <a:endParaRPr lang="en-US"/>
           </a:p>
@@ -1014,7 +1014,7 @@
           <a:p>
             <a:fld id="{A7354640-2D1C-4546-9C73-09819B753F1B}" type="datetimeFigureOut">
               <a:rPr lang="en-US" smtClean="0"/>
-              <a:t>6/13/2016</a:t>
+              <a:t>6/14/2016</a:t>
             </a:fld>
             <a:endParaRPr lang="en-US"/>
           </a:p>
@@ -1246,7 +1246,7 @@
           <a:p>
             <a:fld id="{A7354640-2D1C-4546-9C73-09819B753F1B}" type="datetimeFigureOut">
               <a:rPr lang="en-US" smtClean="0"/>
-              <a:t>6/13/2016</a:t>
+              <a:t>6/14/2016</a:t>
             </a:fld>
             <a:endParaRPr lang="en-US"/>
           </a:p>
@@ -1613,7 +1613,7 @@
           <a:p>
             <a:fld id="{A7354640-2D1C-4546-9C73-09819B753F1B}" type="datetimeFigureOut">
               <a:rPr lang="en-US" smtClean="0"/>
-              <a:t>6/13/2016</a:t>
+              <a:t>6/14/2016</a:t>
             </a:fld>
             <a:endParaRPr lang="en-US"/>
           </a:p>
@@ -1731,7 +1731,7 @@
           <a:p>
             <a:fld id="{A7354640-2D1C-4546-9C73-09819B753F1B}" type="datetimeFigureOut">
               <a:rPr lang="en-US" smtClean="0"/>
-              <a:t>6/13/2016</a:t>
+              <a:t>6/14/2016</a:t>
             </a:fld>
             <a:endParaRPr lang="en-US"/>
           </a:p>
@@ -1826,7 +1826,7 @@
           <a:p>
             <a:fld id="{A7354640-2D1C-4546-9C73-09819B753F1B}" type="datetimeFigureOut">
               <a:rPr lang="en-US" smtClean="0"/>
-              <a:t>6/13/2016</a:t>
+              <a:t>6/14/2016</a:t>
             </a:fld>
             <a:endParaRPr lang="en-US"/>
           </a:p>
@@ -2103,7 +2103,7 @@
           <a:p>
             <a:fld id="{A7354640-2D1C-4546-9C73-09819B753F1B}" type="datetimeFigureOut">
               <a:rPr lang="en-US" smtClean="0"/>
-              <a:t>6/13/2016</a:t>
+              <a:t>6/14/2016</a:t>
             </a:fld>
             <a:endParaRPr lang="en-US"/>
           </a:p>
@@ -2356,7 +2356,7 @@
           <a:p>
             <a:fld id="{A7354640-2D1C-4546-9C73-09819B753F1B}" type="datetimeFigureOut">
               <a:rPr lang="en-US" smtClean="0"/>
-              <a:t>6/13/2016</a:t>
+              <a:t>6/14/2016</a:t>
             </a:fld>
             <a:endParaRPr lang="en-US"/>
           </a:p>
@@ -2569,7 +2569,7 @@
           <a:p>
             <a:fld id="{A7354640-2D1C-4546-9C73-09819B753F1B}" type="datetimeFigureOut">
               <a:rPr lang="en-US" smtClean="0"/>
-              <a:t>6/13/2016</a:t>
+              <a:t>6/14/2016</a:t>
             </a:fld>
             <a:endParaRPr lang="en-US"/>
           </a:p>
@@ -3860,22 +3860,46 @@
           <a:chExt cx="0" cy="0"/>
         </a:xfrm>
       </p:grpSpPr>
-      <p:sp>
-        <p:nvSpPr>
-          <p:cNvPr id="4" name="Rectangle 3"/>
+      <p:pic>
+        <p:nvPicPr>
+          <p:cNvPr id="4" name="Image 3"/>
+          <p:cNvPicPr>
+            <a:picLocks noChangeAspect="1"/>
+          </p:cNvPicPr>
+          <p:nvPr/>
+        </p:nvPicPr>
+        <p:blipFill>
+          <a:blip r:embed="rId2"/>
+          <a:stretch>
+            <a:fillRect/>
+          </a:stretch>
+        </p:blipFill>
+        <p:spPr>
+          <a:xfrm>
+            <a:off x="484909" y="1237583"/>
+            <a:ext cx="11184584" cy="5837560"/>
+          </a:xfrm>
+          <a:prstGeom prst="rect">
+            <a:avLst/>
+          </a:prstGeom>
+        </p:spPr>
+      </p:pic>
+      <p:sp>
+        <p:nvSpPr>
+          <p:cNvPr id="5" name="Rectangle 4"/>
           <p:cNvSpPr/>
           <p:nvPr/>
         </p:nvSpPr>
         <p:spPr>
           <a:xfrm>
-            <a:off x="845127" y="489022"/>
-            <a:ext cx="10543309" cy="1745674"/>
+            <a:off x="1620984" y="1440885"/>
+            <a:ext cx="512618" cy="193962"/>
           </a:xfrm>
           <a:prstGeom prst="rect">
             <a:avLst/>
           </a:prstGeom>
           <a:solidFill>
-            <a:srgbClr val="FFC000"/>
+            <a:srgbClr val="FCF2E3"/>
           </a:solidFill>
           <a:ln>
             <a:noFill/>
@@ -3898,64 +3922,60 @@
           </a:fontRef>
         </p:style>
         <p:txBody>
-          <a:bodyPr rtlCol="0" anchor="b"/>
-          <a:lstStyle/>
-          <a:p>
-            <a:pPr algn="r"/>
-            <a:r>
-              <a:rPr lang="fr-CH" sz="3200" dirty="0" smtClean="0"/>
-              <a:t>Quelques améliorations possibles</a:t>
-            </a:r>
-            <a:endParaRPr lang="en-US" sz="3200" dirty="0"/>
-          </a:p>
-        </p:txBody>
-      </p:sp>
-      <p:pic>
-        <p:nvPicPr>
-          <p:cNvPr id="6" name="Image 5"/>
-          <p:cNvPicPr>
-            <a:picLocks noChangeAspect="1"/>
-          </p:cNvPicPr>
+          <a:bodyPr rtlCol="0" anchor="ctr"/>
+          <a:lstStyle/>
+          <a:p>
+            <a:pPr algn="ctr"/>
+            <a:endParaRPr lang="en-US"/>
+          </a:p>
+        </p:txBody>
+      </p:sp>
+      <p:sp>
+        <p:nvSpPr>
+          <p:cNvPr id="6" name="ZoneTexte 5"/>
+          <p:cNvSpPr txBox="1"/>
           <p:nvPr/>
-        </p:nvPicPr>
-        <p:blipFill>
-          <a:blip r:embed="rId2">
-            <a:extLst>
-              <a:ext uri="{28A0092B-C50C-407E-A947-70E740481C1C}">
-                <a14:useLocalDpi xmlns:a14="http://schemas.microsoft.com/office/drawing/2010/main" val="0"/>
-              </a:ext>
-            </a:extLst>
-          </a:blip>
-          <a:stretch>
-            <a:fillRect/>
-          </a:stretch>
-        </p:blipFill>
-        <p:spPr>
-          <a:xfrm>
-            <a:off x="1088016" y="776721"/>
-            <a:ext cx="1170276" cy="1170276"/>
+        </p:nvSpPr>
+        <p:spPr>
+          <a:xfrm>
+            <a:off x="1316184" y="1353200"/>
+            <a:ext cx="1357745" cy="369332"/>
           </a:xfrm>
           <a:prstGeom prst="rect">
             <a:avLst/>
           </a:prstGeom>
-        </p:spPr>
-      </p:pic>
-      <p:sp>
-        <p:nvSpPr>
-          <p:cNvPr id="8" name="Rectangle 7"/>
+          <a:noFill/>
+        </p:spPr>
+        <p:txBody>
+          <a:bodyPr wrap="square" rtlCol="0">
+            <a:spAutoFit/>
+          </a:bodyPr>
+          <a:lstStyle/>
+          <a:p>
+            <a:r>
+              <a:rPr lang="fr-CH" dirty="0" err="1" smtClean="0"/>
+              <a:t>GasStations</a:t>
+            </a:r>
+            <a:endParaRPr lang="en-US" dirty="0"/>
+          </a:p>
+        </p:txBody>
+      </p:sp>
+      <p:sp>
+        <p:nvSpPr>
+          <p:cNvPr id="7" name="Rectangle 6"/>
           <p:cNvSpPr/>
           <p:nvPr/>
         </p:nvSpPr>
         <p:spPr>
           <a:xfrm>
-            <a:off x="845127" y="2691895"/>
-            <a:ext cx="5040000" cy="1745674"/>
+            <a:off x="5278577" y="1440885"/>
+            <a:ext cx="1191490" cy="193962"/>
           </a:xfrm>
           <a:prstGeom prst="rect">
             <a:avLst/>
           </a:prstGeom>
           <a:solidFill>
-            <a:srgbClr val="00B050"/>
+            <a:srgbClr val="FAF0E1"/>
           </a:solidFill>
           <a:ln>
             <a:noFill/>
@@ -3978,15 +3998,41 @@
           </a:fontRef>
         </p:style>
         <p:txBody>
-          <a:bodyPr rtlCol="0" anchor="b"/>
-          <a:lstStyle/>
-          <a:p>
-            <a:pPr algn="r"/>
-            <a:r>
-              <a:rPr lang="fr-CH" sz="2400" dirty="0" smtClean="0"/>
-              <a:t>Graphique de la consommation</a:t>
-            </a:r>
-            <a:endParaRPr lang="en-US" sz="2400" dirty="0"/>
+          <a:bodyPr rtlCol="0" anchor="ctr"/>
+          <a:lstStyle/>
+          <a:p>
+            <a:pPr algn="ctr"/>
+            <a:endParaRPr lang="en-US"/>
+          </a:p>
+        </p:txBody>
+      </p:sp>
+      <p:sp>
+        <p:nvSpPr>
+          <p:cNvPr id="8" name="ZoneTexte 7"/>
+          <p:cNvSpPr txBox="1"/>
+          <p:nvPr/>
+        </p:nvSpPr>
+        <p:spPr>
+          <a:xfrm>
+            <a:off x="5035714" y="1353200"/>
+            <a:ext cx="1916817" cy="369332"/>
+          </a:xfrm>
+          <a:prstGeom prst="rect">
+            <a:avLst/>
+          </a:prstGeom>
+          <a:noFill/>
+        </p:spPr>
+        <p:txBody>
+          <a:bodyPr wrap="square" rtlCol="0">
+            <a:spAutoFit/>
+          </a:bodyPr>
+          <a:lstStyle/>
+          <a:p>
+            <a:r>
+              <a:rPr lang="fr-CH" dirty="0" err="1" smtClean="0"/>
+              <a:t>Essences_Stations</a:t>
+            </a:r>
+            <a:endParaRPr lang="en-US" dirty="0"/>
           </a:p>
         </p:txBody>
       </p:sp>
@@ -3998,14 +4044,14 @@
         </p:nvSpPr>
         <p:spPr>
           <a:xfrm>
-            <a:off x="6348436" y="2691895"/>
-            <a:ext cx="5040000" cy="1745674"/>
+            <a:off x="9522141" y="1440886"/>
+            <a:ext cx="1021163" cy="193961"/>
           </a:xfrm>
           <a:prstGeom prst="rect">
             <a:avLst/>
           </a:prstGeom>
           <a:solidFill>
-            <a:srgbClr val="0070C0"/>
+            <a:srgbClr val="FAF0E1"/>
           </a:solidFill>
           <a:ln>
             <a:noFill/>
@@ -4028,15 +4074,11 @@
           </a:fontRef>
         </p:style>
         <p:txBody>
-          <a:bodyPr rtlCol="0" anchor="b"/>
-          <a:lstStyle/>
-          <a:p>
-            <a:pPr algn="r"/>
-            <a:r>
-              <a:rPr lang="fr-CH" sz="2400" dirty="0" smtClean="0"/>
-              <a:t>Géolocalisations des stations</a:t>
-            </a:r>
-            <a:endParaRPr lang="en-US" sz="2400" dirty="0"/>
+          <a:bodyPr rtlCol="0" anchor="ctr"/>
+          <a:lstStyle/>
+          <a:p>
+            <a:pPr algn="ctr"/>
+            <a:endParaRPr lang="en-US"/>
           </a:p>
         </p:txBody>
       </p:sp>
@@ -4048,14 +4090,14 @@
         </p:nvSpPr>
         <p:spPr>
           <a:xfrm>
-            <a:off x="845127" y="4659241"/>
-            <a:ext cx="5040000" cy="1745674"/>
+            <a:off x="9685947" y="4849102"/>
+            <a:ext cx="857357" cy="170808"/>
           </a:xfrm>
           <a:prstGeom prst="rect">
             <a:avLst/>
           </a:prstGeom>
           <a:solidFill>
-            <a:srgbClr val="FF0000"/>
+            <a:srgbClr val="FAF0E1"/>
           </a:solidFill>
           <a:ln>
             <a:noFill/>
@@ -4078,15 +4120,11 @@
           </a:fontRef>
         </p:style>
         <p:txBody>
-          <a:bodyPr rtlCol="0" anchor="b"/>
-          <a:lstStyle/>
-          <a:p>
-            <a:pPr algn="r"/>
-            <a:r>
-              <a:rPr lang="fr-CH" sz="2400" dirty="0" smtClean="0"/>
-              <a:t>Esthétique plus poussée</a:t>
-            </a:r>
-            <a:endParaRPr lang="en-US" sz="2400" dirty="0"/>
+          <a:bodyPr rtlCol="0" anchor="ctr"/>
+          <a:lstStyle/>
+          <a:p>
+            <a:pPr algn="ctr"/>
+            <a:endParaRPr lang="en-US"/>
           </a:p>
         </p:txBody>
       </p:sp>
@@ -4098,14 +4136,14 @@
         </p:nvSpPr>
         <p:spPr>
           <a:xfrm>
-            <a:off x="6348436" y="4659241"/>
-            <a:ext cx="5040000" cy="1745674"/>
+            <a:off x="5448904" y="4849101"/>
+            <a:ext cx="1021163" cy="193961"/>
           </a:xfrm>
           <a:prstGeom prst="rect">
             <a:avLst/>
           </a:prstGeom>
           <a:solidFill>
-            <a:srgbClr val="7030A0"/>
+            <a:srgbClr val="FAF0E1"/>
           </a:solidFill>
           <a:ln>
             <a:noFill/>
@@ -4128,21 +4166,233 @@
           </a:fontRef>
         </p:style>
         <p:txBody>
+          <a:bodyPr rtlCol="0" anchor="ctr"/>
+          <a:lstStyle/>
+          <a:p>
+            <a:pPr algn="ctr"/>
+            <a:endParaRPr lang="en-US"/>
+          </a:p>
+        </p:txBody>
+      </p:sp>
+      <p:sp>
+        <p:nvSpPr>
+          <p:cNvPr id="12" name="Rectangle 11"/>
+          <p:cNvSpPr/>
+          <p:nvPr/>
+        </p:nvSpPr>
+        <p:spPr>
+          <a:xfrm>
+            <a:off x="1366711" y="4825948"/>
+            <a:ext cx="1021163" cy="193961"/>
+          </a:xfrm>
+          <a:prstGeom prst="rect">
+            <a:avLst/>
+          </a:prstGeom>
+          <a:solidFill>
+            <a:srgbClr val="FAF0E1"/>
+          </a:solidFill>
+          <a:ln>
+            <a:noFill/>
+          </a:ln>
+        </p:spPr>
+        <p:style>
+          <a:lnRef idx="2">
+            <a:schemeClr val="accent1">
+              <a:shade val="50000"/>
+            </a:schemeClr>
+          </a:lnRef>
+          <a:fillRef idx="1">
+            <a:schemeClr val="accent1"/>
+          </a:fillRef>
+          <a:effectRef idx="0">
+            <a:schemeClr val="accent1"/>
+          </a:effectRef>
+          <a:fontRef idx="minor">
+            <a:schemeClr val="lt1"/>
+          </a:fontRef>
+        </p:style>
+        <p:txBody>
+          <a:bodyPr rtlCol="0" anchor="ctr"/>
+          <a:lstStyle/>
+          <a:p>
+            <a:pPr algn="ctr"/>
+            <a:endParaRPr lang="en-US"/>
+          </a:p>
+        </p:txBody>
+      </p:sp>
+      <p:sp>
+        <p:nvSpPr>
+          <p:cNvPr id="13" name="ZoneTexte 12"/>
+          <p:cNvSpPr txBox="1"/>
+          <p:nvPr/>
+        </p:nvSpPr>
+        <p:spPr>
+          <a:xfrm>
+            <a:off x="9508287" y="1325490"/>
+            <a:ext cx="1475916" cy="369332"/>
+          </a:xfrm>
+          <a:prstGeom prst="rect">
+            <a:avLst/>
+          </a:prstGeom>
+          <a:noFill/>
+        </p:spPr>
+        <p:txBody>
+          <a:bodyPr wrap="square" rtlCol="0">
+            <a:spAutoFit/>
+          </a:bodyPr>
+          <a:lstStyle/>
+          <a:p>
+            <a:r>
+              <a:rPr lang="fr-CH" dirty="0" err="1" smtClean="0"/>
+              <a:t>TypeEssences</a:t>
+            </a:r>
+            <a:endParaRPr lang="en-US" dirty="0"/>
+          </a:p>
+        </p:txBody>
+      </p:sp>
+      <p:sp>
+        <p:nvSpPr>
+          <p:cNvPr id="14" name="ZoneTexte 13"/>
+          <p:cNvSpPr txBox="1"/>
+          <p:nvPr/>
+        </p:nvSpPr>
+        <p:spPr>
+          <a:xfrm>
+            <a:off x="9790267" y="4742818"/>
+            <a:ext cx="1193936" cy="369332"/>
+          </a:xfrm>
+          <a:prstGeom prst="rect">
+            <a:avLst/>
+          </a:prstGeom>
+          <a:noFill/>
+        </p:spPr>
+        <p:txBody>
+          <a:bodyPr wrap="square" rtlCol="0">
+            <a:spAutoFit/>
+          </a:bodyPr>
+          <a:lstStyle/>
+          <a:p>
+            <a:r>
+              <a:rPr lang="fr-CH" dirty="0" err="1" smtClean="0"/>
+              <a:t>Users</a:t>
+            </a:r>
+            <a:endParaRPr lang="en-US" dirty="0"/>
+          </a:p>
+        </p:txBody>
+      </p:sp>
+      <p:sp>
+        <p:nvSpPr>
+          <p:cNvPr id="15" name="ZoneTexte 14"/>
+          <p:cNvSpPr txBox="1"/>
+          <p:nvPr/>
+        </p:nvSpPr>
+        <p:spPr>
+          <a:xfrm>
+            <a:off x="5527961" y="4770528"/>
+            <a:ext cx="1046426" cy="369332"/>
+          </a:xfrm>
+          <a:prstGeom prst="rect">
+            <a:avLst/>
+          </a:prstGeom>
+          <a:noFill/>
+        </p:spPr>
+        <p:txBody>
+          <a:bodyPr wrap="square" rtlCol="0">
+            <a:spAutoFit/>
+          </a:bodyPr>
+          <a:lstStyle/>
+          <a:p>
+            <a:r>
+              <a:rPr lang="fr-CH" dirty="0" err="1" smtClean="0"/>
+              <a:t>Vehiculs</a:t>
+            </a:r>
+            <a:endParaRPr lang="en-US" dirty="0"/>
+          </a:p>
+        </p:txBody>
+      </p:sp>
+      <p:sp>
+        <p:nvSpPr>
+          <p:cNvPr id="16" name="ZoneTexte 15"/>
+          <p:cNvSpPr txBox="1"/>
+          <p:nvPr/>
+        </p:nvSpPr>
+        <p:spPr>
+          <a:xfrm>
+            <a:off x="1387137" y="4756673"/>
+            <a:ext cx="1193069" cy="369332"/>
+          </a:xfrm>
+          <a:prstGeom prst="rect">
+            <a:avLst/>
+          </a:prstGeom>
+          <a:noFill/>
+        </p:spPr>
+        <p:txBody>
+          <a:bodyPr wrap="square" rtlCol="0">
+            <a:spAutoFit/>
+          </a:bodyPr>
+          <a:lstStyle/>
+          <a:p>
+            <a:r>
+              <a:rPr lang="fr-CH" dirty="0" err="1" smtClean="0"/>
+              <a:t>Purchases</a:t>
+            </a:r>
+            <a:endParaRPr lang="en-US" dirty="0"/>
+          </a:p>
+        </p:txBody>
+      </p:sp>
+      <p:sp>
+        <p:nvSpPr>
+          <p:cNvPr id="18" name="Rectangle 17"/>
+          <p:cNvSpPr/>
+          <p:nvPr/>
+        </p:nvSpPr>
+        <p:spPr>
+          <a:xfrm>
+            <a:off x="888673" y="166254"/>
+            <a:ext cx="10236527" cy="1090148"/>
+          </a:xfrm>
+          <a:prstGeom prst="rect">
+            <a:avLst/>
+          </a:prstGeom>
+          <a:solidFill>
+            <a:srgbClr val="0070C0"/>
+          </a:solidFill>
+          <a:ln>
+            <a:noFill/>
+          </a:ln>
+        </p:spPr>
+        <p:style>
+          <a:lnRef idx="2">
+            <a:schemeClr val="accent1">
+              <a:shade val="50000"/>
+            </a:schemeClr>
+          </a:lnRef>
+          <a:fillRef idx="1">
+            <a:schemeClr val="accent1"/>
+          </a:fillRef>
+          <a:effectRef idx="0">
+            <a:schemeClr val="accent1"/>
+          </a:effectRef>
+          <a:fontRef idx="minor">
+            <a:schemeClr val="lt1"/>
+          </a:fontRef>
+        </p:style>
+        <p:txBody>
           <a:bodyPr rtlCol="0" anchor="b"/>
           <a:lstStyle/>
           <a:p>
             <a:pPr algn="r"/>
             <a:r>
-              <a:rPr lang="fr-CH" sz="2400" dirty="0" smtClean="0"/>
-              <a:t>Graphique du prix de l’essence</a:t>
-            </a:r>
-            <a:endParaRPr lang="en-US" sz="2400" dirty="0"/>
+              <a:rPr lang="fr-CH" sz="3200" dirty="0" smtClean="0"/>
+              <a:t>UML</a:t>
+            </a:r>
+            <a:endParaRPr lang="en-US" sz="3200" dirty="0"/>
           </a:p>
         </p:txBody>
       </p:sp>
       <p:pic>
         <p:nvPicPr>
-          <p:cNvPr id="12" name="Image 11"/>
+          <p:cNvPr id="19" name="Image 18"/>
           <p:cNvPicPr>
             <a:picLocks noChangeAspect="1"/>
           </p:cNvPicPr>
@@ -4162,98 +4412,8 @@
         </p:blipFill>
         <p:spPr>
           <a:xfrm>
-            <a:off x="1088016" y="2914436"/>
-            <a:ext cx="865475" cy="865475"/>
-          </a:xfrm>
-          <a:prstGeom prst="rect">
-            <a:avLst/>
-          </a:prstGeom>
-        </p:spPr>
-      </p:pic>
-      <p:pic>
-        <p:nvPicPr>
-          <p:cNvPr id="13" name="Image 12"/>
-          <p:cNvPicPr>
-            <a:picLocks noChangeAspect="1"/>
-          </p:cNvPicPr>
-          <p:nvPr/>
-        </p:nvPicPr>
-        <p:blipFill>
-          <a:blip r:embed="rId4">
-            <a:extLst>
-              <a:ext uri="{28A0092B-C50C-407E-A947-70E740481C1C}">
-                <a14:useLocalDpi xmlns:a14="http://schemas.microsoft.com/office/drawing/2010/main" val="0"/>
-              </a:ext>
-            </a:extLst>
-          </a:blip>
-          <a:stretch>
-            <a:fillRect/>
-          </a:stretch>
-        </p:blipFill>
-        <p:spPr>
-          <a:xfrm>
-            <a:off x="6546705" y="2914435"/>
-            <a:ext cx="865475" cy="865475"/>
-          </a:xfrm>
-          <a:prstGeom prst="rect">
-            <a:avLst/>
-          </a:prstGeom>
-        </p:spPr>
-      </p:pic>
-      <p:pic>
-        <p:nvPicPr>
-          <p:cNvPr id="14" name="Image 13"/>
-          <p:cNvPicPr>
-            <a:picLocks noChangeAspect="1"/>
-          </p:cNvPicPr>
-          <p:nvPr/>
-        </p:nvPicPr>
-        <p:blipFill>
-          <a:blip r:embed="rId5">
-            <a:extLst>
-              <a:ext uri="{28A0092B-C50C-407E-A947-70E740481C1C}">
-                <a14:useLocalDpi xmlns:a14="http://schemas.microsoft.com/office/drawing/2010/main" val="0"/>
-              </a:ext>
-            </a:extLst>
-          </a:blip>
-          <a:stretch>
-            <a:fillRect/>
-          </a:stretch>
-        </p:blipFill>
-        <p:spPr>
-          <a:xfrm>
-            <a:off x="1088016" y="4894768"/>
-            <a:ext cx="865475" cy="865475"/>
-          </a:xfrm>
-          <a:prstGeom prst="rect">
-            <a:avLst/>
-          </a:prstGeom>
-        </p:spPr>
-      </p:pic>
-      <p:pic>
-        <p:nvPicPr>
-          <p:cNvPr id="15" name="Image 14"/>
-          <p:cNvPicPr>
-            <a:picLocks noChangeAspect="1"/>
-          </p:cNvPicPr>
-          <p:nvPr/>
-        </p:nvPicPr>
-        <p:blipFill>
-          <a:blip r:embed="rId3">
-            <a:extLst>
-              <a:ext uri="{28A0092B-C50C-407E-A947-70E740481C1C}">
-                <a14:useLocalDpi xmlns:a14="http://schemas.microsoft.com/office/drawing/2010/main" val="0"/>
-              </a:ext>
-            </a:extLst>
-          </a:blip>
-          <a:stretch>
-            <a:fillRect/>
-          </a:stretch>
-        </p:blipFill>
-        <p:spPr>
-          <a:xfrm>
-            <a:off x="6546705" y="4894767"/>
-            <a:ext cx="865475" cy="865475"/>
+            <a:off x="1061307" y="293926"/>
+            <a:ext cx="815985" cy="815985"/>
           </a:xfrm>
           <a:prstGeom prst="rect">
             <a:avLst/>
@@ -4263,7 +4423,7 @@
     </p:spTree>
     <p:extLst>
       <p:ext uri="{BB962C8B-B14F-4D97-AF65-F5344CB8AC3E}">
-        <p14:creationId xmlns:p14="http://schemas.microsoft.com/office/powerpoint/2010/main" val="2722880097"/>
+        <p14:creationId xmlns:p14="http://schemas.microsoft.com/office/powerpoint/2010/main" val="989471003"/>
       </p:ext>
     </p:extLst>
   </p:cSld>
@@ -4290,46 +4450,22 @@
           <a:chExt cx="0" cy="0"/>
         </a:xfrm>
       </p:grpSpPr>
-      <p:pic>
-        <p:nvPicPr>
-          <p:cNvPr id="4" name="Image 3"/>
-          <p:cNvPicPr>
-            <a:picLocks noChangeAspect="1"/>
-          </p:cNvPicPr>
-          <p:nvPr/>
-        </p:nvPicPr>
-        <p:blipFill>
-          <a:blip r:embed="rId2"/>
-          <a:stretch>
-            <a:fillRect/>
-          </a:stretch>
-        </p:blipFill>
-        <p:spPr>
-          <a:xfrm>
-            <a:off x="484909" y="1237583"/>
-            <a:ext cx="11184584" cy="5837560"/>
-          </a:xfrm>
-          <a:prstGeom prst="rect">
-            <a:avLst/>
-          </a:prstGeom>
-        </p:spPr>
-      </p:pic>
-      <p:sp>
-        <p:nvSpPr>
-          <p:cNvPr id="5" name="Rectangle 4"/>
+      <p:sp>
+        <p:nvSpPr>
+          <p:cNvPr id="4" name="Rectangle 3"/>
           <p:cNvSpPr/>
           <p:nvPr/>
         </p:nvSpPr>
         <p:spPr>
           <a:xfrm>
-            <a:off x="1620984" y="1440885"/>
-            <a:ext cx="512618" cy="193962"/>
+            <a:off x="845127" y="489022"/>
+            <a:ext cx="10543309" cy="1745674"/>
           </a:xfrm>
           <a:prstGeom prst="rect">
             <a:avLst/>
           </a:prstGeom>
           <a:solidFill>
-            <a:srgbClr val="FCF2E3"/>
+            <a:srgbClr val="FFC000"/>
           </a:solidFill>
           <a:ln>
             <a:noFill/>
@@ -4352,60 +4488,64 @@
           </a:fontRef>
         </p:style>
         <p:txBody>
-          <a:bodyPr rtlCol="0" anchor="ctr"/>
-          <a:lstStyle/>
-          <a:p>
-            <a:pPr algn="ctr"/>
-            <a:endParaRPr lang="en-US"/>
-          </a:p>
-        </p:txBody>
-      </p:sp>
-      <p:sp>
-        <p:nvSpPr>
-          <p:cNvPr id="6" name="ZoneTexte 5"/>
-          <p:cNvSpPr txBox="1"/>
+          <a:bodyPr rtlCol="0" anchor="b"/>
+          <a:lstStyle/>
+          <a:p>
+            <a:pPr algn="r"/>
+            <a:r>
+              <a:rPr lang="fr-CH" sz="3200" dirty="0" smtClean="0"/>
+              <a:t>Quelques améliorations possibles</a:t>
+            </a:r>
+            <a:endParaRPr lang="en-US" sz="3200" dirty="0"/>
+          </a:p>
+        </p:txBody>
+      </p:sp>
+      <p:pic>
+        <p:nvPicPr>
+          <p:cNvPr id="6" name="Image 5"/>
+          <p:cNvPicPr>
+            <a:picLocks noChangeAspect="1"/>
+          </p:cNvPicPr>
           <p:nvPr/>
-        </p:nvSpPr>
-        <p:spPr>
-          <a:xfrm>
-            <a:off x="1316184" y="1353200"/>
-            <a:ext cx="1357745" cy="369332"/>
+        </p:nvPicPr>
+        <p:blipFill>
+          <a:blip r:embed="rId2">
+            <a:extLst>
+              <a:ext uri="{28A0092B-C50C-407E-A947-70E740481C1C}">
+                <a14:useLocalDpi xmlns:a14="http://schemas.microsoft.com/office/drawing/2010/main" val="0"/>
+              </a:ext>
+            </a:extLst>
+          </a:blip>
+          <a:stretch>
+            <a:fillRect/>
+          </a:stretch>
+        </p:blipFill>
+        <p:spPr>
+          <a:xfrm>
+            <a:off x="1088016" y="776721"/>
+            <a:ext cx="1170276" cy="1170276"/>
           </a:xfrm>
           <a:prstGeom prst="rect">
             <a:avLst/>
           </a:prstGeom>
-          <a:noFill/>
-        </p:spPr>
-        <p:txBody>
-          <a:bodyPr wrap="square" rtlCol="0">
-            <a:spAutoFit/>
-          </a:bodyPr>
-          <a:lstStyle/>
-          <a:p>
-            <a:r>
-              <a:rPr lang="fr-CH" dirty="0" err="1" smtClean="0"/>
-              <a:t>GasStations</a:t>
-            </a:r>
-            <a:endParaRPr lang="en-US" dirty="0"/>
-          </a:p>
-        </p:txBody>
-      </p:sp>
-      <p:sp>
-        <p:nvSpPr>
-          <p:cNvPr id="7" name="Rectangle 6"/>
+        </p:spPr>
+      </p:pic>
+      <p:sp>
+        <p:nvSpPr>
+          <p:cNvPr id="8" name="Rectangle 7"/>
           <p:cNvSpPr/>
           <p:nvPr/>
         </p:nvSpPr>
         <p:spPr>
           <a:xfrm>
-            <a:off x="5278577" y="1440885"/>
-            <a:ext cx="1191490" cy="193962"/>
+            <a:off x="845127" y="2691895"/>
+            <a:ext cx="5040000" cy="1745674"/>
           </a:xfrm>
           <a:prstGeom prst="rect">
             <a:avLst/>
           </a:prstGeom>
           <a:solidFill>
-            <a:srgbClr val="FAF0E1"/>
+            <a:srgbClr val="00B050"/>
           </a:solidFill>
           <a:ln>
             <a:noFill/>
@@ -4428,41 +4568,15 @@
           </a:fontRef>
         </p:style>
         <p:txBody>
-          <a:bodyPr rtlCol="0" anchor="ctr"/>
-          <a:lstStyle/>
-          <a:p>
-            <a:pPr algn="ctr"/>
-            <a:endParaRPr lang="en-US"/>
-          </a:p>
-        </p:txBody>
-      </p:sp>
-      <p:sp>
-        <p:nvSpPr>
-          <p:cNvPr id="8" name="ZoneTexte 7"/>
-          <p:cNvSpPr txBox="1"/>
-          <p:nvPr/>
-        </p:nvSpPr>
-        <p:spPr>
-          <a:xfrm>
-            <a:off x="5035714" y="1353200"/>
-            <a:ext cx="1916817" cy="369332"/>
-          </a:xfrm>
-          <a:prstGeom prst="rect">
-            <a:avLst/>
-          </a:prstGeom>
-          <a:noFill/>
-        </p:spPr>
-        <p:txBody>
-          <a:bodyPr wrap="square" rtlCol="0">
-            <a:spAutoFit/>
-          </a:bodyPr>
-          <a:lstStyle/>
-          <a:p>
-            <a:r>
-              <a:rPr lang="fr-CH" dirty="0" err="1" smtClean="0"/>
-              <a:t>Essences_Stations</a:t>
-            </a:r>
-            <a:endParaRPr lang="en-US" dirty="0"/>
+          <a:bodyPr rtlCol="0" anchor="b"/>
+          <a:lstStyle/>
+          <a:p>
+            <a:pPr algn="r"/>
+            <a:r>
+              <a:rPr lang="fr-CH" sz="2400" dirty="0" smtClean="0"/>
+              <a:t>Graphique de la consommation</a:t>
+            </a:r>
+            <a:endParaRPr lang="en-US" sz="2400" dirty="0"/>
           </a:p>
         </p:txBody>
       </p:sp>
@@ -4474,14 +4588,14 @@
         </p:nvSpPr>
         <p:spPr>
           <a:xfrm>
-            <a:off x="9522141" y="1440886"/>
-            <a:ext cx="1021163" cy="193961"/>
+            <a:off x="6348436" y="2691895"/>
+            <a:ext cx="5040000" cy="1745674"/>
           </a:xfrm>
           <a:prstGeom prst="rect">
             <a:avLst/>
           </a:prstGeom>
           <a:solidFill>
-            <a:srgbClr val="FAF0E1"/>
+            <a:srgbClr val="0070C0"/>
           </a:solidFill>
           <a:ln>
             <a:noFill/>
@@ -4504,11 +4618,15 @@
           </a:fontRef>
         </p:style>
         <p:txBody>
-          <a:bodyPr rtlCol="0" anchor="ctr"/>
-          <a:lstStyle/>
-          <a:p>
-            <a:pPr algn="ctr"/>
-            <a:endParaRPr lang="en-US"/>
+          <a:bodyPr rtlCol="0" anchor="b"/>
+          <a:lstStyle/>
+          <a:p>
+            <a:pPr algn="r"/>
+            <a:r>
+              <a:rPr lang="fr-CH" sz="2400" dirty="0" smtClean="0"/>
+              <a:t>Géolocalisations des stations</a:t>
+            </a:r>
+            <a:endParaRPr lang="en-US" sz="2400" dirty="0"/>
           </a:p>
         </p:txBody>
       </p:sp>
@@ -4520,14 +4638,14 @@
         </p:nvSpPr>
         <p:spPr>
           <a:xfrm>
-            <a:off x="9685947" y="4849102"/>
-            <a:ext cx="857357" cy="170808"/>
+            <a:off x="845127" y="4659241"/>
+            <a:ext cx="5040000" cy="1745674"/>
           </a:xfrm>
           <a:prstGeom prst="rect">
             <a:avLst/>
           </a:prstGeom>
           <a:solidFill>
-            <a:srgbClr val="FAF0E1"/>
+            <a:srgbClr val="FF0000"/>
           </a:solidFill>
           <a:ln>
             <a:noFill/>
@@ -4550,11 +4668,15 @@
           </a:fontRef>
         </p:style>
         <p:txBody>
-          <a:bodyPr rtlCol="0" anchor="ctr"/>
-          <a:lstStyle/>
-          <a:p>
-            <a:pPr algn="ctr"/>
-            <a:endParaRPr lang="en-US"/>
+          <a:bodyPr rtlCol="0" anchor="b"/>
+          <a:lstStyle/>
+          <a:p>
+            <a:pPr algn="r"/>
+            <a:r>
+              <a:rPr lang="fr-CH" sz="2400" dirty="0" smtClean="0"/>
+              <a:t>Esthétique plus poussée</a:t>
+            </a:r>
+            <a:endParaRPr lang="en-US" sz="2400" dirty="0"/>
           </a:p>
         </p:txBody>
       </p:sp>
@@ -4566,14 +4688,14 @@
         </p:nvSpPr>
         <p:spPr>
           <a:xfrm>
-            <a:off x="5448904" y="4849101"/>
-            <a:ext cx="1021163" cy="193961"/>
+            <a:off x="6348436" y="4659241"/>
+            <a:ext cx="5040000" cy="1745674"/>
           </a:xfrm>
           <a:prstGeom prst="rect">
             <a:avLst/>
           </a:prstGeom>
           <a:solidFill>
-            <a:srgbClr val="FAF0E1"/>
+            <a:srgbClr val="7030A0"/>
           </a:solidFill>
           <a:ln>
             <a:noFill/>
@@ -4596,233 +4718,21 @@
           </a:fontRef>
         </p:style>
         <p:txBody>
-          <a:bodyPr rtlCol="0" anchor="ctr"/>
-          <a:lstStyle/>
-          <a:p>
-            <a:pPr algn="ctr"/>
-            <a:endParaRPr lang="en-US"/>
-          </a:p>
-        </p:txBody>
-      </p:sp>
-      <p:sp>
-        <p:nvSpPr>
-          <p:cNvPr id="12" name="Rectangle 11"/>
-          <p:cNvSpPr/>
-          <p:nvPr/>
-        </p:nvSpPr>
-        <p:spPr>
-          <a:xfrm>
-            <a:off x="1366711" y="4825948"/>
-            <a:ext cx="1021163" cy="193961"/>
-          </a:xfrm>
-          <a:prstGeom prst="rect">
-            <a:avLst/>
-          </a:prstGeom>
-          <a:solidFill>
-            <a:srgbClr val="FAF0E1"/>
-          </a:solidFill>
-          <a:ln>
-            <a:noFill/>
-          </a:ln>
-        </p:spPr>
-        <p:style>
-          <a:lnRef idx="2">
-            <a:schemeClr val="accent1">
-              <a:shade val="50000"/>
-            </a:schemeClr>
-          </a:lnRef>
-          <a:fillRef idx="1">
-            <a:schemeClr val="accent1"/>
-          </a:fillRef>
-          <a:effectRef idx="0">
-            <a:schemeClr val="accent1"/>
-          </a:effectRef>
-          <a:fontRef idx="minor">
-            <a:schemeClr val="lt1"/>
-          </a:fontRef>
-        </p:style>
-        <p:txBody>
-          <a:bodyPr rtlCol="0" anchor="ctr"/>
-          <a:lstStyle/>
-          <a:p>
-            <a:pPr algn="ctr"/>
-            <a:endParaRPr lang="en-US"/>
-          </a:p>
-        </p:txBody>
-      </p:sp>
-      <p:sp>
-        <p:nvSpPr>
-          <p:cNvPr id="13" name="ZoneTexte 12"/>
-          <p:cNvSpPr txBox="1"/>
-          <p:nvPr/>
-        </p:nvSpPr>
-        <p:spPr>
-          <a:xfrm>
-            <a:off x="9508287" y="1325490"/>
-            <a:ext cx="1475916" cy="369332"/>
-          </a:xfrm>
-          <a:prstGeom prst="rect">
-            <a:avLst/>
-          </a:prstGeom>
-          <a:noFill/>
-        </p:spPr>
-        <p:txBody>
-          <a:bodyPr wrap="square" rtlCol="0">
-            <a:spAutoFit/>
-          </a:bodyPr>
-          <a:lstStyle/>
-          <a:p>
-            <a:r>
-              <a:rPr lang="fr-CH" dirty="0" err="1" smtClean="0"/>
-              <a:t>TypeEssences</a:t>
-            </a:r>
-            <a:endParaRPr lang="en-US" dirty="0"/>
-          </a:p>
-        </p:txBody>
-      </p:sp>
-      <p:sp>
-        <p:nvSpPr>
-          <p:cNvPr id="14" name="ZoneTexte 13"/>
-          <p:cNvSpPr txBox="1"/>
-          <p:nvPr/>
-        </p:nvSpPr>
-        <p:spPr>
-          <a:xfrm>
-            <a:off x="9790267" y="4742818"/>
-            <a:ext cx="1193936" cy="369332"/>
-          </a:xfrm>
-          <a:prstGeom prst="rect">
-            <a:avLst/>
-          </a:prstGeom>
-          <a:noFill/>
-        </p:spPr>
-        <p:txBody>
-          <a:bodyPr wrap="square" rtlCol="0">
-            <a:spAutoFit/>
-          </a:bodyPr>
-          <a:lstStyle/>
-          <a:p>
-            <a:r>
-              <a:rPr lang="fr-CH" dirty="0" err="1" smtClean="0"/>
-              <a:t>Users</a:t>
-            </a:r>
-            <a:endParaRPr lang="en-US" dirty="0"/>
-          </a:p>
-        </p:txBody>
-      </p:sp>
-      <p:sp>
-        <p:nvSpPr>
-          <p:cNvPr id="15" name="ZoneTexte 14"/>
-          <p:cNvSpPr txBox="1"/>
-          <p:nvPr/>
-        </p:nvSpPr>
-        <p:spPr>
-          <a:xfrm>
-            <a:off x="5527961" y="4770528"/>
-            <a:ext cx="1046426" cy="369332"/>
-          </a:xfrm>
-          <a:prstGeom prst="rect">
-            <a:avLst/>
-          </a:prstGeom>
-          <a:noFill/>
-        </p:spPr>
-        <p:txBody>
-          <a:bodyPr wrap="square" rtlCol="0">
-            <a:spAutoFit/>
-          </a:bodyPr>
-          <a:lstStyle/>
-          <a:p>
-            <a:r>
-              <a:rPr lang="fr-CH" dirty="0" err="1" smtClean="0"/>
-              <a:t>Vehiculs</a:t>
-            </a:r>
-            <a:endParaRPr lang="en-US" dirty="0"/>
-          </a:p>
-        </p:txBody>
-      </p:sp>
-      <p:sp>
-        <p:nvSpPr>
-          <p:cNvPr id="16" name="ZoneTexte 15"/>
-          <p:cNvSpPr txBox="1"/>
-          <p:nvPr/>
-        </p:nvSpPr>
-        <p:spPr>
-          <a:xfrm>
-            <a:off x="1387137" y="4756673"/>
-            <a:ext cx="1193069" cy="369332"/>
-          </a:xfrm>
-          <a:prstGeom prst="rect">
-            <a:avLst/>
-          </a:prstGeom>
-          <a:noFill/>
-        </p:spPr>
-        <p:txBody>
-          <a:bodyPr wrap="square" rtlCol="0">
-            <a:spAutoFit/>
-          </a:bodyPr>
-          <a:lstStyle/>
-          <a:p>
-            <a:r>
-              <a:rPr lang="fr-CH" dirty="0" err="1" smtClean="0"/>
-              <a:t>Purchases</a:t>
-            </a:r>
-            <a:endParaRPr lang="en-US" dirty="0"/>
-          </a:p>
-        </p:txBody>
-      </p:sp>
-      <p:sp>
-        <p:nvSpPr>
-          <p:cNvPr id="18" name="Rectangle 17"/>
-          <p:cNvSpPr/>
-          <p:nvPr/>
-        </p:nvSpPr>
-        <p:spPr>
-          <a:xfrm>
-            <a:off x="888673" y="166254"/>
-            <a:ext cx="10236527" cy="1090148"/>
-          </a:xfrm>
-          <a:prstGeom prst="rect">
-            <a:avLst/>
-          </a:prstGeom>
-          <a:solidFill>
-            <a:srgbClr val="0070C0"/>
-          </a:solidFill>
-          <a:ln>
-            <a:noFill/>
-          </a:ln>
-        </p:spPr>
-        <p:style>
-          <a:lnRef idx="2">
-            <a:schemeClr val="accent1">
-              <a:shade val="50000"/>
-            </a:schemeClr>
-          </a:lnRef>
-          <a:fillRef idx="1">
-            <a:schemeClr val="accent1"/>
-          </a:fillRef>
-          <a:effectRef idx="0">
-            <a:schemeClr val="accent1"/>
-          </a:effectRef>
-          <a:fontRef idx="minor">
-            <a:schemeClr val="lt1"/>
-          </a:fontRef>
-        </p:style>
-        <p:txBody>
           <a:bodyPr rtlCol="0" anchor="b"/>
           <a:lstStyle/>
           <a:p>
             <a:pPr algn="r"/>
             <a:r>
-              <a:rPr lang="fr-CH" sz="3200" dirty="0" smtClean="0"/>
-              <a:t>UML</a:t>
-            </a:r>
-            <a:endParaRPr lang="en-US" sz="3200" dirty="0"/>
+              <a:rPr lang="fr-CH" sz="2400" dirty="0" smtClean="0"/>
+              <a:t>Finissions</a:t>
+            </a:r>
+            <a:endParaRPr lang="en-US" sz="2400" dirty="0"/>
           </a:p>
         </p:txBody>
       </p:sp>
       <p:pic>
         <p:nvPicPr>
-          <p:cNvPr id="19" name="Image 18"/>
+          <p:cNvPr id="12" name="Image 11"/>
           <p:cNvPicPr>
             <a:picLocks noChangeAspect="1"/>
           </p:cNvPicPr>
@@ -4842,8 +4752,98 @@
         </p:blipFill>
         <p:spPr>
           <a:xfrm>
-            <a:off x="1061307" y="293926"/>
-            <a:ext cx="815985" cy="815985"/>
+            <a:off x="1088016" y="2914436"/>
+            <a:ext cx="865475" cy="865475"/>
+          </a:xfrm>
+          <a:prstGeom prst="rect">
+            <a:avLst/>
+          </a:prstGeom>
+        </p:spPr>
+      </p:pic>
+      <p:pic>
+        <p:nvPicPr>
+          <p:cNvPr id="13" name="Image 12"/>
+          <p:cNvPicPr>
+            <a:picLocks noChangeAspect="1"/>
+          </p:cNvPicPr>
+          <p:nvPr/>
+        </p:nvPicPr>
+        <p:blipFill>
+          <a:blip r:embed="rId4">
+            <a:extLst>
+              <a:ext uri="{28A0092B-C50C-407E-A947-70E740481C1C}">
+                <a14:useLocalDpi xmlns:a14="http://schemas.microsoft.com/office/drawing/2010/main" val="0"/>
+              </a:ext>
+            </a:extLst>
+          </a:blip>
+          <a:stretch>
+            <a:fillRect/>
+          </a:stretch>
+        </p:blipFill>
+        <p:spPr>
+          <a:xfrm>
+            <a:off x="6546705" y="2914435"/>
+            <a:ext cx="865475" cy="865475"/>
+          </a:xfrm>
+          <a:prstGeom prst="rect">
+            <a:avLst/>
+          </a:prstGeom>
+        </p:spPr>
+      </p:pic>
+      <p:pic>
+        <p:nvPicPr>
+          <p:cNvPr id="14" name="Image 13"/>
+          <p:cNvPicPr>
+            <a:picLocks noChangeAspect="1"/>
+          </p:cNvPicPr>
+          <p:nvPr/>
+        </p:nvPicPr>
+        <p:blipFill>
+          <a:blip r:embed="rId5">
+            <a:extLst>
+              <a:ext uri="{28A0092B-C50C-407E-A947-70E740481C1C}">
+                <a14:useLocalDpi xmlns:a14="http://schemas.microsoft.com/office/drawing/2010/main" val="0"/>
+              </a:ext>
+            </a:extLst>
+          </a:blip>
+          <a:stretch>
+            <a:fillRect/>
+          </a:stretch>
+        </p:blipFill>
+        <p:spPr>
+          <a:xfrm>
+            <a:off x="1088016" y="4894768"/>
+            <a:ext cx="865475" cy="865475"/>
+          </a:xfrm>
+          <a:prstGeom prst="rect">
+            <a:avLst/>
+          </a:prstGeom>
+        </p:spPr>
+      </p:pic>
+      <p:pic>
+        <p:nvPicPr>
+          <p:cNvPr id="2" name="Image 1"/>
+          <p:cNvPicPr>
+            <a:picLocks noChangeAspect="1"/>
+          </p:cNvPicPr>
+          <p:nvPr/>
+        </p:nvPicPr>
+        <p:blipFill>
+          <a:blip r:embed="rId6">
+            <a:extLst>
+              <a:ext uri="{28A0092B-C50C-407E-A947-70E740481C1C}">
+                <a14:useLocalDpi xmlns:a14="http://schemas.microsoft.com/office/drawing/2010/main" val="0"/>
+              </a:ext>
+            </a:extLst>
+          </a:blip>
+          <a:stretch>
+            <a:fillRect/>
+          </a:stretch>
+        </p:blipFill>
+        <p:spPr>
+          <a:xfrm>
+            <a:off x="6546704" y="4894767"/>
+            <a:ext cx="865475" cy="865475"/>
           </a:xfrm>
           <a:prstGeom prst="rect">
             <a:avLst/>
@@ -4853,7 +4853,7 @@
     </p:spTree>
     <p:extLst>
       <p:ext uri="{BB962C8B-B14F-4D97-AF65-F5344CB8AC3E}">
-        <p14:creationId xmlns:p14="http://schemas.microsoft.com/office/powerpoint/2010/main" val="989471003"/>
+        <p14:creationId xmlns:p14="http://schemas.microsoft.com/office/powerpoint/2010/main" val="2722880097"/>
       </p:ext>
     </p:extLst>
   </p:cSld>
